--- a/docs/Presentation2.pptx
+++ b/docs/Presentation2.pptx
@@ -3111,12 +3111,12 @@
           <a:lstStyle/>
           <a:p>
             <a:r>
-              <a:rPr lang="nn-NO" dirty="0" smtClean="0"/>
+              <a:rPr lang="nn-NO" smtClean="0"/>
               <a:t> </a:t>
             </a:r>
             <a:r>
-              <a:rPr lang="nn-NO" dirty="0" err="1" smtClean="0"/>
-              <a:t>Lorem</a:t>
+              <a:rPr lang="nn-NO" smtClean="0"/>
+              <a:t>Lorem2</a:t>
             </a:r>
             <a:endParaRPr lang="nn-NO" dirty="0"/>
           </a:p>

--- a/docs/Presentation2.pptx
+++ b/docs/Presentation2.pptx
@@ -3116,7 +3116,7 @@
             </a:r>
             <a:r>
               <a:rPr lang="nn-NO" smtClean="0"/>
-              <a:t>Lorem2</a:t>
+              <a:t>Lorem3</a:t>
             </a:r>
             <a:endParaRPr lang="nn-NO" dirty="0"/>
           </a:p>

--- a/docs/Presentation2.pptx
+++ b/docs/Presentation2.pptx
@@ -3116,7 +3116,7 @@
             </a:r>
             <a:r>
               <a:rPr lang="nn-NO" smtClean="0"/>
-              <a:t>Lorem3</a:t>
+              <a:t>Lorem4</a:t>
             </a:r>
             <a:endParaRPr lang="nn-NO" dirty="0"/>
           </a:p>

--- a/docs/Presentation2.pptx
+++ b/docs/Presentation2.pptx
@@ -3116,7 +3116,7 @@
             </a:r>
             <a:r>
               <a:rPr lang="nn-NO" smtClean="0"/>
-              <a:t>Lorem4</a:t>
+              <a:t>Lorem5</a:t>
             </a:r>
             <a:endParaRPr lang="nn-NO" dirty="0"/>
           </a:p>
